--- a/plots/Fig8 densification.pptx
+++ b/plots/Fig8 densification.pptx
@@ -3702,7 +3702,7 @@
                         <a:latin typeface="Helvetica" pitchFamily="2" charset="0"/>
                         <a:cs typeface="Times New Roman" panose="02020603050405020304" pitchFamily="18" charset="0"/>
                       </a:rPr>
-                      <a:t>pruned, small:</a:t>
+                      <a:t>densified, small:</a:t>
                     </a:r>
                   </a:p>
                   <a:p>
@@ -4497,7 +4497,7 @@
                           <a:latin typeface="Helvetica" pitchFamily="2" charset="0"/>
                           <a:cs typeface="Times New Roman" panose="02020603050405020304" pitchFamily="18" charset="0"/>
                         </a:rPr>
-                        <a:t>TypLinkInd logical, pruned, large:</a:t>
+                        <a:t>TypLinkInd logical, densified, large:</a:t>
                       </a:r>
                     </a:p>
                     <a:p>
@@ -4583,7 +4583,7 @@
                           <a:latin typeface="Helvetica" pitchFamily="2" charset="0"/>
                           <a:cs typeface="Times New Roman" panose="02020603050405020304" pitchFamily="18" charset="0"/>
                         </a:rPr>
-                        <a:t>pruned, large:</a:t>
+                        <a:t>densified, large:</a:t>
                       </a:r>
                     </a:p>
                     <a:p>
@@ -4656,7 +4656,7 @@
                           <a:latin typeface="Helvetica" pitchFamily="2" charset="0"/>
                           <a:cs typeface="Times New Roman" panose="02020603050405020304" pitchFamily="18" charset="0"/>
                         </a:rPr>
-                        <a:t>TypLinkInd logical, pruned, small:</a:t>
+                        <a:t>TypLinkInd logical, densified, small:</a:t>
                       </a:r>
                     </a:p>
                     <a:p>
@@ -5321,8 +5321,8 @@
               </p:nvCxnSpPr>
               <p:spPr>
                 <a:xfrm>
-                  <a:off x="11331453" y="2359305"/>
-                  <a:ext cx="1975" cy="174743"/>
+                  <a:off x="11328257" y="2359305"/>
+                  <a:ext cx="5171" cy="177747"/>
                 </a:xfrm>
                 <a:prstGeom prst="straightConnector1">
                   <a:avLst/>
@@ -5449,14 +5449,14 @@
                 <a:p>
                   <a:pPr algn="ctr"/>
                   <a:r>
-                    <a:rPr lang="en-US" sz="800" b="1" dirty="0" err="1">
+                    <a:rPr lang="en-US" sz="800" dirty="0" err="1">
                       <a:solidFill>
                         <a:schemeClr val="bg1"/>
                       </a:solidFill>
                       <a:latin typeface="Helvetica" pitchFamily="2" charset="0"/>
                       <a:cs typeface="Times New Roman" panose="02020603050405020304" pitchFamily="18" charset="0"/>
                     </a:rPr>
-                    <a:t>statisticalTLI_full_pruned_small.csv</a:t>
+                    <a:t>statisticalTLI_full_densified_small.csv</a:t>
                   </a:r>
                   <a:endParaRPr lang="en-US" sz="800" dirty="0">
                     <a:solidFill>
@@ -5516,16 +5516,16 @@
                 <a:p>
                   <a:pPr algn="ctr"/>
                   <a:r>
-                    <a:rPr lang="en-US" sz="800" b="1" dirty="0" err="1">
+                    <a:rPr lang="en-US" sz="800" dirty="0" err="1">
                       <a:solidFill>
                         <a:schemeClr val="bg1"/>
                       </a:solidFill>
                       <a:latin typeface="Helvetica" pitchFamily="2" charset="0"/>
                       <a:cs typeface="Times New Roman" panose="02020603050405020304" pitchFamily="18" charset="0"/>
                     </a:rPr>
-                    <a:t>logicalTLI_full_pruned_large.csv</a:t>
+                    <a:t>logicalTLI_full_densified_large.csv</a:t>
                   </a:r>
-                  <a:endParaRPr lang="en-US" sz="800" b="1" dirty="0">
+                  <a:endParaRPr lang="en-US" sz="800" dirty="0">
                     <a:solidFill>
                       <a:schemeClr val="bg1"/>
                     </a:solidFill>
@@ -5550,7 +5550,7 @@
               <p:spPr>
                 <a:xfrm>
                   <a:off x="10361169" y="2020751"/>
-                  <a:ext cx="1940568" cy="338554"/>
+                  <a:ext cx="1934175" cy="338554"/>
                 </a:xfrm>
                 <a:prstGeom prst="rect">
                   <a:avLst/>
@@ -5583,14 +5583,14 @@
                 <a:p>
                   <a:pPr algn="ctr"/>
                   <a:r>
-                    <a:rPr lang="en-US" sz="800" b="1" dirty="0" err="1">
+                    <a:rPr lang="en-US" sz="800" dirty="0" err="1">
                       <a:solidFill>
                         <a:schemeClr val="bg1"/>
                       </a:solidFill>
                       <a:latin typeface="Helvetica" pitchFamily="2" charset="0"/>
                       <a:cs typeface="Times New Roman" panose="02020603050405020304" pitchFamily="18" charset="0"/>
                     </a:rPr>
-                    <a:t>statisticalTLI_full_pruned_large.csv</a:t>
+                    <a:t>statisticalTLI_full_densified_large.csv</a:t>
                   </a:r>
                   <a:endParaRPr lang="en-US" sz="800" dirty="0">
                     <a:solidFill>
@@ -5650,16 +5650,16 @@
                 <a:p>
                   <a:pPr algn="ctr"/>
                   <a:r>
-                    <a:rPr lang="en-US" sz="800" b="1" dirty="0" err="1">
+                    <a:rPr lang="en-US" sz="800" dirty="0" err="1">
                       <a:solidFill>
                         <a:schemeClr val="bg1"/>
                       </a:solidFill>
                       <a:latin typeface="Helvetica" pitchFamily="2" charset="0"/>
                       <a:cs typeface="Times New Roman" panose="02020603050405020304" pitchFamily="18" charset="0"/>
                     </a:rPr>
-                    <a:t>logicalTLI_full_pruned_small.csv</a:t>
+                    <a:t>logicalTLI_full_densified_small.csv</a:t>
                   </a:r>
-                  <a:endParaRPr lang="en-US" sz="800" b="1" dirty="0">
+                  <a:endParaRPr lang="en-US" sz="800" dirty="0">
                     <a:solidFill>
                       <a:schemeClr val="bg1"/>
                     </a:solidFill>
@@ -6774,7 +6774,7 @@
                         <a:latin typeface="Helvetica" pitchFamily="2" charset="0"/>
                         <a:cs typeface="Times New Roman" panose="02020603050405020304" pitchFamily="18" charset="0"/>
                       </a:rPr>
-                      <a:t> pruned:</a:t>
+                      <a:t> densified:</a:t>
                     </a:r>
                   </a:p>
                   <a:p>
@@ -6873,7 +6873,7 @@
                         <a:latin typeface="Helvetica" pitchFamily="2" charset="0"/>
                         <a:cs typeface="Times New Roman" panose="02020603050405020304" pitchFamily="18" charset="0"/>
                       </a:rPr>
-                      <a:t>pruned:</a:t>
+                      <a:t>densified:</a:t>
                     </a:r>
                   </a:p>
                   <a:p>
@@ -7476,16 +7476,16 @@
                     <a:t>./</a:t>
                   </a:r>
                   <a:r>
-                    <a:rPr lang="en-US" sz="800" b="1" dirty="0" err="1">
+                    <a:rPr lang="en-US" sz="800" dirty="0" err="1">
                       <a:solidFill>
                         <a:schemeClr val="bg1"/>
                       </a:solidFill>
                       <a:latin typeface="Helvetica" pitchFamily="2" charset="0"/>
                       <a:cs typeface="Times New Roman" panose="02020603050405020304" pitchFamily="18" charset="0"/>
                     </a:rPr>
-                    <a:t>logicalGBI_pruned.csv</a:t>
+                    <a:t>logicalGBI_densified.csv</a:t>
                   </a:r>
-                  <a:endParaRPr lang="en-US" sz="800" b="1" dirty="0">
+                  <a:endParaRPr lang="en-US" sz="800" dirty="0">
                     <a:solidFill>
                       <a:schemeClr val="bg1"/>
                     </a:solidFill>
@@ -7495,7 +7495,7 @@
                 </a:p>
                 <a:p>
                   <a:pPr algn="ctr"/>
-                  <a:endParaRPr lang="en-US" sz="400" b="1" dirty="0">
+                  <a:endParaRPr lang="en-US" sz="400" dirty="0">
                     <a:solidFill>
                       <a:schemeClr val="bg1"/>
                     </a:solidFill>
@@ -7539,7 +7539,7 @@
                 <a:lstStyle/>
                 <a:p>
                   <a:pPr algn="ctr"/>
-                  <a:endParaRPr lang="en-US" sz="400" b="1" dirty="0">
+                  <a:endParaRPr lang="en-US" sz="400" dirty="0">
                     <a:solidFill>
                       <a:schemeClr val="bg1"/>
                     </a:solidFill>
@@ -7560,16 +7560,16 @@
                     <a:t>./</a:t>
                   </a:r>
                   <a:r>
-                    <a:rPr lang="en-US" sz="800" b="1" dirty="0" err="1">
+                    <a:rPr lang="en-US" sz="800" dirty="0" err="1">
                       <a:solidFill>
                         <a:schemeClr val="bg1"/>
                       </a:solidFill>
                       <a:latin typeface="Helvetica" pitchFamily="2" charset="0"/>
                       <a:cs typeface="Times New Roman" panose="02020603050405020304" pitchFamily="18" charset="0"/>
                     </a:rPr>
-                    <a:t>statisticalGBI_pruned.csv</a:t>
+                    <a:t>statisticalGBI_densified.csv</a:t>
                   </a:r>
-                  <a:endParaRPr lang="en-US" sz="800" b="1" dirty="0">
+                  <a:endParaRPr lang="en-US" sz="800" dirty="0">
                     <a:solidFill>
                       <a:schemeClr val="bg1"/>
                     </a:solidFill>
@@ -8459,7 +8459,7 @@
                       <a:latin typeface="Helvetica" pitchFamily="2" charset="0"/>
                       <a:cs typeface="Times New Roman" panose="02020603050405020304" pitchFamily="18" charset="0"/>
                     </a:rPr>
-                    <a:t>phonology_pruned.csv</a:t>
+                    <a:t>phonology_densified.csv</a:t>
                   </a:r>
                   <a:endParaRPr lang="en-US" sz="800" b="1" dirty="0">
                     <a:solidFill>
@@ -8840,7 +8840,7 @@
                                       <a:latin typeface="Helvetica" pitchFamily="2" charset="0"/>
                                       <a:cs typeface="Times New Roman" panose="02020603050405020304" pitchFamily="18" charset="0"/>
                                     </a:rPr>
-                                    <a:t>grammar, pruned, small:</a:t>
+                                    <a:t>grammar, densified, small:</a:t>
                                   </a:r>
                                 </a:p>
                                 <a:p>
@@ -9172,7 +9172,7 @@
                                         <a:latin typeface="Helvetica" pitchFamily="2" charset="0"/>
                                         <a:cs typeface="Times New Roman" panose="02020603050405020304" pitchFamily="18" charset="0"/>
                                       </a:rPr>
-                                      <a:t>grammar, pruned, large:</a:t>
+                                      <a:t>grammar, densified, large:</a:t>
                                     </a:r>
                                   </a:p>
                                   <a:p>
@@ -9258,7 +9258,7 @@
                                         <a:latin typeface="Helvetica" pitchFamily="2" charset="0"/>
                                         <a:cs typeface="Times New Roman" panose="02020603050405020304" pitchFamily="18" charset="0"/>
                                       </a:rPr>
-                                      <a:t>grammar, pruned, large:</a:t>
+                                      <a:t>grammar, densified, large:</a:t>
                                     </a:r>
                                   </a:p>
                                   <a:p>
@@ -9344,7 +9344,7 @@
                                         <a:latin typeface="Helvetica" pitchFamily="2" charset="0"/>
                                         <a:cs typeface="Times New Roman" panose="02020603050405020304" pitchFamily="18" charset="0"/>
                                       </a:rPr>
-                                      <a:t>grammar, pruned, small:</a:t>
+                                      <a:t>grammar, densified, small:</a:t>
                                     </a:r>
                                   </a:p>
                                   <a:p>
@@ -10308,7 +10308,7 @@
                                   <a:t>./grammar/</a:t>
                                 </a:r>
                                 <a:r>
-                                  <a:rPr lang="en-US" sz="800" b="1" dirty="0" err="1">
+                                  <a:rPr lang="en-US" sz="800" dirty="0" err="1">
                                     <a:solidFill>
                                       <a:schemeClr val="bg1"/>
                                     </a:solidFill>
@@ -10318,7 +10318,7 @@
                                   <a:t>statisticalTLI_grammar</a:t>
                                 </a:r>
                                 <a:r>
-                                  <a:rPr lang="en-US" sz="800" b="1">
+                                  <a:rPr lang="en-US" sz="800" dirty="0">
                                     <a:solidFill>
                                       <a:schemeClr val="bg1"/>
                                     </a:solidFill>
@@ -10328,7 +10328,7 @@
                                   <a:t>_</a:t>
                                 </a:r>
                                 <a:br>
-                                  <a:rPr lang="en-US" sz="800" b="1">
+                                  <a:rPr lang="en-US" sz="800" dirty="0">
                                     <a:solidFill>
                                       <a:schemeClr val="bg1"/>
                                     </a:solidFill>
@@ -10337,24 +10337,14 @@
                                   </a:rPr>
                                 </a:br>
                                 <a:r>
-                                  <a:rPr lang="en-US" sz="800" b="1">
+                                  <a:rPr lang="en-US" sz="800" dirty="0" err="1">
                                     <a:solidFill>
                                       <a:schemeClr val="bg1"/>
                                     </a:solidFill>
                                     <a:latin typeface="Helvetica" pitchFamily="2" charset="0"/>
                                     <a:cs typeface="Times New Roman" panose="02020603050405020304" pitchFamily="18" charset="0"/>
                                   </a:rPr>
-                                  <a:t>pruned</a:t>
-                                </a:r>
-                                <a:r>
-                                  <a:rPr lang="en-US" sz="800" b="1" dirty="0" err="1">
-                                    <a:solidFill>
-                                      <a:schemeClr val="bg1"/>
-                                    </a:solidFill>
-                                    <a:latin typeface="Helvetica" pitchFamily="2" charset="0"/>
-                                    <a:cs typeface="Times New Roman" panose="02020603050405020304" pitchFamily="18" charset="0"/>
-                                  </a:rPr>
-                                  <a:t>_small.csv</a:t>
+                                  <a:t>densified_small.csv</a:t>
                                 </a:r>
                                 <a:endParaRPr lang="en-US" sz="800" dirty="0">
                                   <a:solidFill>
@@ -10411,7 +10401,7 @@
                                   <a:t>./grammar/</a:t>
                                 </a:r>
                                 <a:r>
-                                  <a:rPr lang="en-US" sz="800" b="1" dirty="0" err="1">
+                                  <a:rPr lang="en-US" sz="800" dirty="0" err="1">
                                     <a:solidFill>
                                       <a:schemeClr val="bg1"/>
                                     </a:solidFill>
@@ -10421,7 +10411,7 @@
                                   <a:t>logicalTLI_grammar</a:t>
                                 </a:r>
                                 <a:r>
-                                  <a:rPr lang="en-US" sz="800" b="1" dirty="0">
+                                  <a:rPr lang="en-US" sz="800" dirty="0">
                                     <a:solidFill>
                                       <a:schemeClr val="bg1"/>
                                     </a:solidFill>
@@ -10431,7 +10421,7 @@
                                   <a:t>_</a:t>
                                 </a:r>
                                 <a:br>
-                                  <a:rPr lang="en-US" sz="800" b="1" dirty="0">
+                                  <a:rPr lang="en-US" sz="800" dirty="0">
                                     <a:solidFill>
                                       <a:schemeClr val="bg1"/>
                                     </a:solidFill>
@@ -10440,16 +10430,16 @@
                                   </a:rPr>
                                 </a:br>
                                 <a:r>
-                                  <a:rPr lang="en-US" sz="800" b="1" dirty="0" err="1">
+                                  <a:rPr lang="en-US" sz="800" dirty="0" err="1">
                                     <a:solidFill>
                                       <a:schemeClr val="bg1"/>
                                     </a:solidFill>
                                     <a:latin typeface="Helvetica" pitchFamily="2" charset="0"/>
                                     <a:cs typeface="Times New Roman" panose="02020603050405020304" pitchFamily="18" charset="0"/>
                                   </a:rPr>
-                                  <a:t>pruned_large.csv</a:t>
+                                  <a:t>densified_large.csv</a:t>
                                 </a:r>
-                                <a:endParaRPr lang="en-US" sz="800" b="1" dirty="0">
+                                <a:endParaRPr lang="en-US" sz="800" dirty="0">
                                   <a:solidFill>
                                     <a:schemeClr val="bg1"/>
                                   </a:solidFill>
@@ -10504,7 +10494,7 @@
                                   <a:t>./grammar/</a:t>
                                 </a:r>
                                 <a:r>
-                                  <a:rPr lang="en-US" sz="800" b="1" dirty="0" err="1">
+                                  <a:rPr lang="en-US" sz="800" dirty="0" err="1">
                                     <a:solidFill>
                                       <a:schemeClr val="bg1"/>
                                     </a:solidFill>
@@ -10514,7 +10504,7 @@
                                   <a:t>statisticalTLI_grammar</a:t>
                                 </a:r>
                                 <a:r>
-                                  <a:rPr lang="en-US" sz="800" b="1" dirty="0">
+                                  <a:rPr lang="en-US" sz="800" dirty="0">
                                     <a:solidFill>
                                       <a:schemeClr val="bg1"/>
                                     </a:solidFill>
@@ -10524,7 +10514,7 @@
                                   <a:t>_</a:t>
                                 </a:r>
                                 <a:br>
-                                  <a:rPr lang="en-US" sz="800" b="1" dirty="0">
+                                  <a:rPr lang="en-US" sz="800" dirty="0">
                                     <a:solidFill>
                                       <a:schemeClr val="bg1"/>
                                     </a:solidFill>
@@ -10533,14 +10523,14 @@
                                   </a:rPr>
                                 </a:br>
                                 <a:r>
-                                  <a:rPr lang="en-US" sz="800" b="1" dirty="0" err="1">
+                                  <a:rPr lang="en-US" sz="800" dirty="0" err="1">
                                     <a:solidFill>
                                       <a:schemeClr val="bg1"/>
                                     </a:solidFill>
                                     <a:latin typeface="Helvetica" pitchFamily="2" charset="0"/>
                                     <a:cs typeface="Times New Roman" panose="02020603050405020304" pitchFamily="18" charset="0"/>
                                   </a:rPr>
-                                  <a:t>pruned_large.csv</a:t>
+                                  <a:t>densified_large.csv</a:t>
                                 </a:r>
                                 <a:endParaRPr lang="en-US" sz="800" dirty="0">
                                   <a:solidFill>
@@ -10597,7 +10587,7 @@
                                   <a:t>./grammar/</a:t>
                                 </a:r>
                                 <a:r>
-                                  <a:rPr lang="en-US" sz="800" b="1" dirty="0" err="1">
+                                  <a:rPr lang="en-US" sz="800" dirty="0" err="1">
                                     <a:solidFill>
                                       <a:schemeClr val="bg1"/>
                                     </a:solidFill>
@@ -10607,7 +10597,7 @@
                                   <a:t>logicalTLI_grammar</a:t>
                                 </a:r>
                                 <a:r>
-                                  <a:rPr lang="en-US" sz="800" b="1" dirty="0">
+                                  <a:rPr lang="en-US" sz="800" dirty="0">
                                     <a:solidFill>
                                       <a:schemeClr val="bg1"/>
                                     </a:solidFill>
@@ -10617,7 +10607,7 @@
                                   <a:t>_</a:t>
                                 </a:r>
                                 <a:br>
-                                  <a:rPr lang="en-US" sz="800" b="1" dirty="0">
+                                  <a:rPr lang="en-US" sz="800" dirty="0">
                                     <a:solidFill>
                                       <a:schemeClr val="bg1"/>
                                     </a:solidFill>
@@ -10626,16 +10616,16 @@
                                   </a:rPr>
                                 </a:br>
                                 <a:r>
-                                  <a:rPr lang="en-US" sz="800" b="1" dirty="0" err="1">
+                                  <a:rPr lang="en-US" sz="800" dirty="0" err="1">
                                     <a:solidFill>
                                       <a:schemeClr val="bg1"/>
                                     </a:solidFill>
                                     <a:latin typeface="Helvetica" pitchFamily="2" charset="0"/>
                                     <a:cs typeface="Times New Roman" panose="02020603050405020304" pitchFamily="18" charset="0"/>
                                   </a:rPr>
-                                  <a:t>pruned_small.csv</a:t>
+                                  <a:t>densified_small.csv</a:t>
                                 </a:r>
-                                <a:endParaRPr lang="en-US" sz="800" b="1" dirty="0">
+                                <a:endParaRPr lang="en-US" sz="800" dirty="0">
                                   <a:solidFill>
                                     <a:schemeClr val="bg1"/>
                                   </a:solidFill>
@@ -11744,7 +11734,7 @@
                           <a:latin typeface="Helvetica" pitchFamily="2" charset="0"/>
                           <a:cs typeface="Times New Roman" panose="02020603050405020304" pitchFamily="18" charset="0"/>
                         </a:rPr>
-                        <a:t>lexicon, pruned:</a:t>
+                        <a:t>lexicon, densified:</a:t>
                       </a:r>
                     </a:p>
                     <a:p>
@@ -11905,7 +11895,7 @@
                           <a:latin typeface="Helvetica" pitchFamily="2" charset="0"/>
                           <a:cs typeface="Times New Roman" panose="02020603050405020304" pitchFamily="18" charset="0"/>
                         </a:rPr>
-                        <a:t>lexicon_pruned.csv</a:t>
+                        <a:t>lexicon_densified.csv</a:t>
                       </a:r>
                       <a:endParaRPr lang="en-US" sz="800" b="1" dirty="0">
                         <a:solidFill>
@@ -12135,7 +12125,7 @@
                           <a:latin typeface="Helvetica" pitchFamily="2" charset="0"/>
                           <a:cs typeface="Times New Roman" panose="02020603050405020304" pitchFamily="18" charset="0"/>
                         </a:rPr>
-                        <a:t>lexicon, pruned:</a:t>
+                        <a:t>lexicon, densified:</a:t>
                       </a:r>
                     </a:p>
                     <a:p>
@@ -12299,7 +12289,7 @@
                           <a:latin typeface="Helvetica" pitchFamily="2" charset="0"/>
                           <a:cs typeface="Times New Roman" panose="02020603050405020304" pitchFamily="18" charset="0"/>
                         </a:rPr>
-                        <a:t>lexicon_pruned.csv</a:t>
+                        <a:t>lexicon_densified.csv</a:t>
                       </a:r>
                       <a:endParaRPr lang="en-US" sz="800" b="1" dirty="0">
                         <a:solidFill>
@@ -12481,7 +12471,7 @@
                         <a:latin typeface="Helvetica" pitchFamily="2" charset="0"/>
                         <a:cs typeface="Times New Roman" panose="02020603050405020304" pitchFamily="18" charset="0"/>
                       </a:rPr>
-                      <a:t>phonology, pruned:</a:t>
+                      <a:t>phonology, densified:</a:t>
                     </a:r>
                   </a:p>
                   <a:p>
@@ -12828,7 +12818,7 @@
                         <a:latin typeface="Helvetica" pitchFamily="2" charset="0"/>
                         <a:cs typeface="Times New Roman" panose="02020603050405020304" pitchFamily="18" charset="0"/>
                       </a:rPr>
-                      <a:t>phonology, pruned:</a:t>
+                      <a:t>phonology, densified:</a:t>
                     </a:r>
                   </a:p>
                   <a:p>
@@ -12992,7 +12982,7 @@
                         <a:latin typeface="Helvetica" pitchFamily="2" charset="0"/>
                         <a:cs typeface="Times New Roman" panose="02020603050405020304" pitchFamily="18" charset="0"/>
                       </a:rPr>
-                      <a:t>phonology_pruned.csv</a:t>
+                      <a:t>phonology_densified.csv</a:t>
                     </a:r>
                     <a:endParaRPr lang="en-US" sz="800" b="1" dirty="0">
                       <a:solidFill>
